--- a/6-semester/physical-education/practical3.pptx
+++ b/6-semester/physical-education/practical3.pptx
@@ -13791,7 +13791,7 @@
           <a:p>
             <a:r>
               <a:rPr lang="ru-RU" dirty="0"/>
-              <a:t>Практическая работа № 2. Стретчинг </a:t>
+              <a:t>Практическая работа № 3. Стретчинг </a:t>
             </a:r>
           </a:p>
         </p:txBody>
